--- a/story2/Knaik_story2_608.pptx
+++ b/story2/Knaik_story2_608.pptx
@@ -266,7 +266,7 @@
           <a:p>
             <a:fld id="{8906154F-320F-433C-8921-4FF7FD55EAF8}" type="datetimeFigureOut">
               <a:rPr lang="en-US" smtClean="0"/>
-              <a:t>9/23/2023</a:t>
+              <a:t>9/24/2023</a:t>
             </a:fld>
             <a:endParaRPr lang="en-US"/>
           </a:p>
@@ -464,7 +464,7 @@
           <a:p>
             <a:fld id="{8906154F-320F-433C-8921-4FF7FD55EAF8}" type="datetimeFigureOut">
               <a:rPr lang="en-US" smtClean="0"/>
-              <a:t>9/23/2023</a:t>
+              <a:t>9/24/2023</a:t>
             </a:fld>
             <a:endParaRPr lang="en-US"/>
           </a:p>
@@ -672,7 +672,7 @@
           <a:p>
             <a:fld id="{8906154F-320F-433C-8921-4FF7FD55EAF8}" type="datetimeFigureOut">
               <a:rPr lang="en-US" smtClean="0"/>
-              <a:t>9/23/2023</a:t>
+              <a:t>9/24/2023</a:t>
             </a:fld>
             <a:endParaRPr lang="en-US"/>
           </a:p>
@@ -870,7 +870,7 @@
           <a:p>
             <a:fld id="{8906154F-320F-433C-8921-4FF7FD55EAF8}" type="datetimeFigureOut">
               <a:rPr lang="en-US" smtClean="0"/>
-              <a:t>9/23/2023</a:t>
+              <a:t>9/24/2023</a:t>
             </a:fld>
             <a:endParaRPr lang="en-US"/>
           </a:p>
@@ -1145,7 +1145,7 @@
           <a:p>
             <a:fld id="{8906154F-320F-433C-8921-4FF7FD55EAF8}" type="datetimeFigureOut">
               <a:rPr lang="en-US" smtClean="0"/>
-              <a:t>9/23/2023</a:t>
+              <a:t>9/24/2023</a:t>
             </a:fld>
             <a:endParaRPr lang="en-US"/>
           </a:p>
@@ -1410,7 +1410,7 @@
           <a:p>
             <a:fld id="{8906154F-320F-433C-8921-4FF7FD55EAF8}" type="datetimeFigureOut">
               <a:rPr lang="en-US" smtClean="0"/>
-              <a:t>9/23/2023</a:t>
+              <a:t>9/24/2023</a:t>
             </a:fld>
             <a:endParaRPr lang="en-US"/>
           </a:p>
@@ -1822,7 +1822,7 @@
           <a:p>
             <a:fld id="{8906154F-320F-433C-8921-4FF7FD55EAF8}" type="datetimeFigureOut">
               <a:rPr lang="en-US" smtClean="0"/>
-              <a:t>9/23/2023</a:t>
+              <a:t>9/24/2023</a:t>
             </a:fld>
             <a:endParaRPr lang="en-US"/>
           </a:p>
@@ -1963,7 +1963,7 @@
           <a:p>
             <a:fld id="{8906154F-320F-433C-8921-4FF7FD55EAF8}" type="datetimeFigureOut">
               <a:rPr lang="en-US" smtClean="0"/>
-              <a:t>9/23/2023</a:t>
+              <a:t>9/24/2023</a:t>
             </a:fld>
             <a:endParaRPr lang="en-US"/>
           </a:p>
@@ -2076,7 +2076,7 @@
           <a:p>
             <a:fld id="{8906154F-320F-433C-8921-4FF7FD55EAF8}" type="datetimeFigureOut">
               <a:rPr lang="en-US" smtClean="0"/>
-              <a:t>9/23/2023</a:t>
+              <a:t>9/24/2023</a:t>
             </a:fld>
             <a:endParaRPr lang="en-US"/>
           </a:p>
@@ -2387,7 +2387,7 @@
           <a:p>
             <a:fld id="{8906154F-320F-433C-8921-4FF7FD55EAF8}" type="datetimeFigureOut">
               <a:rPr lang="en-US" smtClean="0"/>
-              <a:t>9/23/2023</a:t>
+              <a:t>9/24/2023</a:t>
             </a:fld>
             <a:endParaRPr lang="en-US"/>
           </a:p>
@@ -2675,7 +2675,7 @@
           <a:p>
             <a:fld id="{8906154F-320F-433C-8921-4FF7FD55EAF8}" type="datetimeFigureOut">
               <a:rPr lang="en-US" smtClean="0"/>
-              <a:t>9/23/2023</a:t>
+              <a:t>9/24/2023</a:t>
             </a:fld>
             <a:endParaRPr lang="en-US"/>
           </a:p>
@@ -2916,7 +2916,7 @@
           <a:p>
             <a:fld id="{8906154F-320F-433C-8921-4FF7FD55EAF8}" type="datetimeFigureOut">
               <a:rPr lang="en-US" smtClean="0"/>
-              <a:t>9/23/2023</a:t>
+              <a:t>9/24/2023</a:t>
             </a:fld>
             <a:endParaRPr lang="en-US"/>
           </a:p>
@@ -5522,19 +5522,12 @@
           <a:p>
             <a:r>
               <a:rPr lang="en-US" sz="3600" b="0" i="0" dirty="0">
-                <a:solidFill>
-                  <a:srgbClr val="FF0000"/>
-                </a:solidFill>
                 <a:effectLst/>
                 <a:latin typeface="arial" panose="020B0604020202020204" pitchFamily="34" charset="0"/>
               </a:rPr>
-              <a:t>Budget Allocation vs Population</a:t>
-            </a:r>
-            <a:endParaRPr lang="en-US" sz="3600" dirty="0">
-              <a:solidFill>
-                <a:srgbClr val="FF0000"/>
-              </a:solidFill>
-            </a:endParaRPr>
+              <a:t>Trends in economic indicators for various economic cycles</a:t>
+            </a:r>
+            <a:endParaRPr lang="en-US" sz="3600" dirty="0"/>
           </a:p>
         </p:txBody>
       </p:sp>
